--- a/React.pptx
+++ b/React.pptx
@@ -10,7 +10,8 @@
     <p:sldId id="259" r:id="rId4"/>
     <p:sldId id="260" r:id="rId5"/>
     <p:sldId id="261" r:id="rId6"/>
-    <p:sldId id="257" r:id="rId7"/>
+    <p:sldId id="263" r:id="rId7"/>
+    <p:sldId id="257" r:id="rId8"/>
   </p:sldIdLst>
   <p:sldSz cx="12192000" cy="6858000"/>
   <p:notesSz cx="6858000" cy="9144000"/>
@@ -109,6 +110,11 @@
       </a:defRPr>
     </a:lvl9pPr>
   </p:defaultTextStyle>
+  <p:extLst>
+    <p:ext uri="{EFAFB233-063F-42B5-8137-9DF3F51BA10A}">
+      <p15:sldGuideLst xmlns:p15="http://schemas.microsoft.com/office/powerpoint/2012/main"/>
+    </p:ext>
+  </p:extLst>
 </p:presentation>
 </file>
 
@@ -259,7 +265,7 @@
           <a:p>
             <a:fld id="{A6EED2B9-CCDC-4E30-9E95-FB8A35CA50BE}" type="datetimeFigureOut">
               <a:rPr lang="en-US" smtClean="0"/>
-              <a:t>10/7/2024</a:t>
+              <a:t>11/5/2024</a:t>
             </a:fld>
             <a:endParaRPr lang="en-US"/>
           </a:p>
@@ -457,7 +463,7 @@
           <a:p>
             <a:fld id="{A6EED2B9-CCDC-4E30-9E95-FB8A35CA50BE}" type="datetimeFigureOut">
               <a:rPr lang="en-US" smtClean="0"/>
-              <a:t>10/7/2024</a:t>
+              <a:t>11/5/2024</a:t>
             </a:fld>
             <a:endParaRPr lang="en-US"/>
           </a:p>
@@ -665,7 +671,7 @@
           <a:p>
             <a:fld id="{A6EED2B9-CCDC-4E30-9E95-FB8A35CA50BE}" type="datetimeFigureOut">
               <a:rPr lang="en-US" smtClean="0"/>
-              <a:t>10/7/2024</a:t>
+              <a:t>11/5/2024</a:t>
             </a:fld>
             <a:endParaRPr lang="en-US"/>
           </a:p>
@@ -863,7 +869,7 @@
           <a:p>
             <a:fld id="{A6EED2B9-CCDC-4E30-9E95-FB8A35CA50BE}" type="datetimeFigureOut">
               <a:rPr lang="en-US" smtClean="0"/>
-              <a:t>10/7/2024</a:t>
+              <a:t>11/5/2024</a:t>
             </a:fld>
             <a:endParaRPr lang="en-US"/>
           </a:p>
@@ -1138,7 +1144,7 @@
           <a:p>
             <a:fld id="{A6EED2B9-CCDC-4E30-9E95-FB8A35CA50BE}" type="datetimeFigureOut">
               <a:rPr lang="en-US" smtClean="0"/>
-              <a:t>10/7/2024</a:t>
+              <a:t>11/5/2024</a:t>
             </a:fld>
             <a:endParaRPr lang="en-US"/>
           </a:p>
@@ -1403,7 +1409,7 @@
           <a:p>
             <a:fld id="{A6EED2B9-CCDC-4E30-9E95-FB8A35CA50BE}" type="datetimeFigureOut">
               <a:rPr lang="en-US" smtClean="0"/>
-              <a:t>10/7/2024</a:t>
+              <a:t>11/5/2024</a:t>
             </a:fld>
             <a:endParaRPr lang="en-US"/>
           </a:p>
@@ -1815,7 +1821,7 @@
           <a:p>
             <a:fld id="{A6EED2B9-CCDC-4E30-9E95-FB8A35CA50BE}" type="datetimeFigureOut">
               <a:rPr lang="en-US" smtClean="0"/>
-              <a:t>10/7/2024</a:t>
+              <a:t>11/5/2024</a:t>
             </a:fld>
             <a:endParaRPr lang="en-US"/>
           </a:p>
@@ -1956,7 +1962,7 @@
           <a:p>
             <a:fld id="{A6EED2B9-CCDC-4E30-9E95-FB8A35CA50BE}" type="datetimeFigureOut">
               <a:rPr lang="en-US" smtClean="0"/>
-              <a:t>10/7/2024</a:t>
+              <a:t>11/5/2024</a:t>
             </a:fld>
             <a:endParaRPr lang="en-US"/>
           </a:p>
@@ -2069,7 +2075,7 @@
           <a:p>
             <a:fld id="{A6EED2B9-CCDC-4E30-9E95-FB8A35CA50BE}" type="datetimeFigureOut">
               <a:rPr lang="en-US" smtClean="0"/>
-              <a:t>10/7/2024</a:t>
+              <a:t>11/5/2024</a:t>
             </a:fld>
             <a:endParaRPr lang="en-US"/>
           </a:p>
@@ -2380,7 +2386,7 @@
           <a:p>
             <a:fld id="{A6EED2B9-CCDC-4E30-9E95-FB8A35CA50BE}" type="datetimeFigureOut">
               <a:rPr lang="en-US" smtClean="0"/>
-              <a:t>10/7/2024</a:t>
+              <a:t>11/5/2024</a:t>
             </a:fld>
             <a:endParaRPr lang="en-US"/>
           </a:p>
@@ -2668,7 +2674,7 @@
           <a:p>
             <a:fld id="{A6EED2B9-CCDC-4E30-9E95-FB8A35CA50BE}" type="datetimeFigureOut">
               <a:rPr lang="en-US" smtClean="0"/>
-              <a:t>10/7/2024</a:t>
+              <a:t>11/5/2024</a:t>
             </a:fld>
             <a:endParaRPr lang="en-US"/>
           </a:p>
@@ -2909,7 +2915,7 @@
           <a:p>
             <a:fld id="{A6EED2B9-CCDC-4E30-9E95-FB8A35CA50BE}" type="datetimeFigureOut">
               <a:rPr lang="en-US" smtClean="0"/>
-              <a:t>10/7/2024</a:t>
+              <a:t>11/5/2024</a:t>
             </a:fld>
             <a:endParaRPr lang="en-US"/>
           </a:p>
@@ -4144,57 +4150,126 @@
       </p:grpSpPr>
       <p:sp>
         <p:nvSpPr>
-          <p:cNvPr id="2" name="TextBox 1">
-            <a:extLst>
-              <a:ext uri="{FF2B5EF4-FFF2-40B4-BE49-F238E27FC236}">
-                <a16:creationId xmlns:a16="http://schemas.microsoft.com/office/drawing/2014/main" id="{A5FE694B-7BA6-DF69-6F63-FCFE1F1E369B}"/>
-              </a:ext>
-            </a:extLst>
-          </p:cNvPr>
-          <p:cNvSpPr txBox="1"/>
-          <p:nvPr/>
-        </p:nvSpPr>
-        <p:spPr>
-          <a:xfrm>
-            <a:off x="314036" y="267855"/>
-            <a:ext cx="11591637" cy="1200329"/>
-          </a:xfrm>
-          <a:prstGeom prst="rect">
-            <a:avLst/>
-          </a:prstGeom>
-          <a:noFill/>
-        </p:spPr>
-        <p:txBody>
-          <a:bodyPr wrap="square" rtlCol="0">
-            <a:spAutoFit/>
-          </a:bodyPr>
-          <a:lstStyle/>
-          <a:p>
-            <a:r>
-              <a:rPr lang="en-US" dirty="0" err="1"/>
+          <p:cNvPr id="3" name="Title 2">
+            <a:extLst>
+              <a:ext uri="{FF2B5EF4-FFF2-40B4-BE49-F238E27FC236}">
+                <a16:creationId xmlns:a16="http://schemas.microsoft.com/office/drawing/2014/main" id="{B771D24E-E19A-82C0-ADF9-E1B2C464C430}"/>
+              </a:ext>
+            </a:extLst>
+          </p:cNvPr>
+          <p:cNvSpPr>
+            <a:spLocks noGrp="1"/>
+          </p:cNvSpPr>
+          <p:nvPr>
+            <p:ph type="title"/>
+          </p:nvPr>
+        </p:nvSpPr>
+        <p:spPr/>
+        <p:txBody>
+          <a:bodyPr/>
+          <a:lstStyle/>
+          <a:p>
+            <a:r>
+              <a:rPr lang="en-US" u="sng" dirty="0"/>
+              <a:t>What is REACT?</a:t>
+            </a:r>
+          </a:p>
+        </p:txBody>
+      </p:sp>
+      <p:pic>
+        <p:nvPicPr>
+          <p:cNvPr id="7" name="Picture Placeholder 6" descr="A blue atom symbol with a circle in center&#10;&#10;Description automatically generated">
+            <a:extLst>
+              <a:ext uri="{FF2B5EF4-FFF2-40B4-BE49-F238E27FC236}">
+                <a16:creationId xmlns:a16="http://schemas.microsoft.com/office/drawing/2014/main" id="{6D79C1BA-5D04-5457-EF17-B8B68789A8EC}"/>
+              </a:ext>
+            </a:extLst>
+          </p:cNvPr>
+          <p:cNvPicPr>
+            <a:picLocks noGrp="1" noChangeAspect="1"/>
+          </p:cNvPicPr>
+          <p:nvPr>
+            <p:ph type="pic" idx="1"/>
+          </p:nvPr>
+        </p:nvPicPr>
+        <p:blipFill>
+          <a:blip r:embed="rId2">
+            <a:extLst>
+              <a:ext uri="{28A0092B-C50C-407E-A947-70E740481C1C}">
+                <a14:useLocalDpi xmlns:a14="http://schemas.microsoft.com/office/drawing/2010/main" val="0"/>
+              </a:ext>
+            </a:extLst>
+          </a:blip>
+          <a:srcRect t="7330" b="7330"/>
+          <a:stretch>
+            <a:fillRect/>
+          </a:stretch>
+        </p:blipFill>
+        <p:spPr/>
+      </p:pic>
+      <p:sp>
+        <p:nvSpPr>
+          <p:cNvPr id="5" name="Text Placeholder 4">
+            <a:extLst>
+              <a:ext uri="{FF2B5EF4-FFF2-40B4-BE49-F238E27FC236}">
+                <a16:creationId xmlns:a16="http://schemas.microsoft.com/office/drawing/2014/main" id="{DA7390A3-0EB7-4A4E-A0B8-5553BC296AD6}"/>
+              </a:ext>
+            </a:extLst>
+          </p:cNvPr>
+          <p:cNvSpPr>
+            <a:spLocks noGrp="1"/>
+          </p:cNvSpPr>
+          <p:nvPr>
+            <p:ph type="body" sz="half" idx="2"/>
+          </p:nvPr>
+        </p:nvSpPr>
+        <p:spPr/>
+        <p:txBody>
+          <a:bodyPr/>
+          <a:lstStyle/>
+          <a:p>
+            <a:endParaRPr lang="en-US" dirty="0"/>
+          </a:p>
+          <a:p>
+            <a:pPr marL="285750" indent="-285750">
+              <a:buFontTx/>
+              <a:buChar char="-"/>
+            </a:pPr>
+            <a:r>
+              <a:rPr lang="en-US" sz="2000" dirty="0" err="1"/>
               <a:t>Javascript</a:t>
             </a:r>
             <a:r>
-              <a:rPr lang="en-US" dirty="0"/>
+              <a:rPr lang="en-US" sz="2000" dirty="0"/>
               <a:t> library for building UI’s</a:t>
             </a:r>
           </a:p>
           <a:p>
-            <a:r>
-              <a:rPr lang="en-US" dirty="0"/>
+            <a:endParaRPr lang="en-US" sz="2000" dirty="0"/>
+          </a:p>
+          <a:p>
+            <a:pPr marL="285750" indent="-285750">
+              <a:buFontTx/>
+              <a:buChar char="-"/>
+            </a:pPr>
+            <a:r>
+              <a:rPr lang="en-US" sz="2000" dirty="0"/>
               <a:t>Component based: build individual components and then display them when you want them based on state</a:t>
             </a:r>
           </a:p>
           <a:p>
-            <a:r>
-              <a:rPr lang="en-US" dirty="0"/>
-              <a:t>JSX – using html-like code in </a:t>
-            </a:r>
-            <a:r>
-              <a:rPr lang="en-US" dirty="0" err="1"/>
+            <a:endParaRPr lang="en-US" sz="2000" dirty="0"/>
+          </a:p>
+          <a:p>
+            <a:r>
+              <a:rPr lang="en-US" sz="2000" dirty="0"/>
+              <a:t>- JSX – using html-like code in </a:t>
+            </a:r>
+            <a:r>
+              <a:rPr lang="en-US" sz="2000" dirty="0" err="1"/>
               <a:t>javascript</a:t>
             </a:r>
-            <a:endParaRPr lang="en-US" dirty="0"/>
+            <a:endParaRPr lang="en-US" sz="2000" dirty="0"/>
           </a:p>
           <a:p>
             <a:endParaRPr lang="en-US" dirty="0"/>
@@ -5196,6 +5271,665 @@
 </file>
 
 <file path=ppt/slides/slide6.xml><?xml version="1.0" encoding="utf-8"?>
+<p:sld xmlns:a="http://schemas.openxmlformats.org/drawingml/2006/main" xmlns:r="http://schemas.openxmlformats.org/officeDocument/2006/relationships" xmlns:p="http://schemas.openxmlformats.org/presentationml/2006/main">
+  <p:cSld>
+    <p:bg>
+      <p:bgPr>
+        <a:solidFill>
+          <a:schemeClr val="bg1"/>
+        </a:solidFill>
+        <a:effectLst/>
+      </p:bgPr>
+    </p:bg>
+    <p:spTree>
+      <p:nvGrpSpPr>
+        <p:cNvPr id="1" name=""/>
+        <p:cNvGrpSpPr/>
+        <p:nvPr/>
+      </p:nvGrpSpPr>
+      <p:grpSpPr>
+        <a:xfrm>
+          <a:off x="0" y="0"/>
+          <a:ext cx="0" cy="0"/>
+          <a:chOff x="0" y="0"/>
+          <a:chExt cx="0" cy="0"/>
+        </a:xfrm>
+      </p:grpSpPr>
+      <p:sp useBgFill="1">
+        <p:nvSpPr>
+          <p:cNvPr id="27" name="Rectangle 26">
+            <a:extLst>
+              <a:ext uri="{FF2B5EF4-FFF2-40B4-BE49-F238E27FC236}">
+                <a16:creationId xmlns:a16="http://schemas.microsoft.com/office/drawing/2014/main" id="{8C790BE2-4E4F-4AAF-81A2-4A6F4885EBE6}"/>
+              </a:ext>
+              <a:ext uri="{C183D7F6-B498-43B3-948B-1728B52AA6E4}">
+                <adec:decorative xmlns:adec="http://schemas.microsoft.com/office/drawing/2017/decorative" val="1"/>
+              </a:ext>
+            </a:extLst>
+          </p:cNvPr>
+          <p:cNvSpPr>
+            <a:spLocks noGrp="1" noRot="1" noChangeAspect="1" noMove="1" noResize="1" noEditPoints="1" noAdjustHandles="1" noChangeArrowheads="1" noChangeShapeType="1" noTextEdit="1"/>
+          </p:cNvSpPr>
+          <p:nvPr>
+            <p:extLst>
+              <p:ext uri="{386F3935-93C4-4BCD-93E2-E3B085C9AB24}">
+                <p16:designElem xmlns:p16="http://schemas.microsoft.com/office/powerpoint/2015/main" val="1"/>
+              </p:ext>
+            </p:extLst>
+          </p:nvPr>
+        </p:nvSpPr>
+        <p:spPr>
+          <a:xfrm>
+            <a:off x="0" y="0"/>
+            <a:ext cx="12192000" cy="6858000"/>
+          </a:xfrm>
+          <a:prstGeom prst="rect">
+            <a:avLst/>
+          </a:prstGeom>
+          <a:ln w="12700" cap="flat" cmpd="sng" algn="ctr">
+            <a:noFill/>
+            <a:prstDash val="solid"/>
+            <a:miter lim="800000"/>
+          </a:ln>
+          <a:effectLst/>
+          <a:extLst>
+            <a:ext uri="{91240B29-F687-4F45-9708-019B960494DF}">
+              <a14:hiddenLine xmlns:a14="http://schemas.microsoft.com/office/drawing/2010/main" w="12700" cap="flat" cmpd="sng" algn="ctr">
+                <a:solidFill>
+                  <a:schemeClr val="accent1">
+                    <a:shade val="50000"/>
+                  </a:schemeClr>
+                </a:solidFill>
+                <a:prstDash val="solid"/>
+                <a:miter lim="800000"/>
+              </a14:hiddenLine>
+            </a:ext>
+          </a:extLst>
+        </p:spPr>
+        <p:style>
+          <a:lnRef idx="2">
+            <a:schemeClr val="accent1">
+              <a:shade val="50000"/>
+            </a:schemeClr>
+          </a:lnRef>
+          <a:fillRef idx="1">
+            <a:schemeClr val="accent1"/>
+          </a:fillRef>
+          <a:effectRef idx="0">
+            <a:schemeClr val="accent1"/>
+          </a:effectRef>
+          <a:fontRef idx="minor">
+            <a:schemeClr val="lt1"/>
+          </a:fontRef>
+        </p:style>
+        <p:txBody>
+          <a:bodyPr rtlCol="0" anchor="ctr"/>
+          <a:lstStyle/>
+          <a:p>
+            <a:pPr algn="ctr"/>
+            <a:endParaRPr lang="en-US"/>
+          </a:p>
+        </p:txBody>
+      </p:sp>
+      <p:sp>
+        <p:nvSpPr>
+          <p:cNvPr id="29" name="Rectangle 28">
+            <a:extLst>
+              <a:ext uri="{FF2B5EF4-FFF2-40B4-BE49-F238E27FC236}">
+                <a16:creationId xmlns:a16="http://schemas.microsoft.com/office/drawing/2014/main" id="{D28B54C3-B57B-472A-B96E-1FCB67093DC2}"/>
+              </a:ext>
+              <a:ext uri="{C183D7F6-B498-43B3-948B-1728B52AA6E4}">
+                <adec:decorative xmlns:adec="http://schemas.microsoft.com/office/drawing/2017/decorative" val="1"/>
+              </a:ext>
+            </a:extLst>
+          </p:cNvPr>
+          <p:cNvSpPr>
+            <a:spLocks noGrp="1" noRot="1" noChangeAspect="1" noMove="1" noResize="1" noEditPoints="1" noAdjustHandles="1" noChangeArrowheads="1" noChangeShapeType="1" noTextEdit="1"/>
+          </p:cNvSpPr>
+          <p:nvPr>
+            <p:extLst>
+              <p:ext uri="{386F3935-93C4-4BCD-93E2-E3B085C9AB24}">
+                <p16:designElem xmlns:p16="http://schemas.microsoft.com/office/powerpoint/2015/main" val="1"/>
+              </p:ext>
+            </p:extLst>
+          </p:nvPr>
+        </p:nvSpPr>
+        <p:spPr>
+          <a:xfrm flipH="1">
+            <a:off x="-1" y="0"/>
+            <a:ext cx="12191999" cy="6858000"/>
+          </a:xfrm>
+          <a:prstGeom prst="rect">
+            <a:avLst/>
+          </a:prstGeom>
+          <a:gradFill>
+            <a:gsLst>
+              <a:gs pos="0">
+                <a:schemeClr val="accent1">
+                  <a:lumMod val="50000"/>
+                </a:schemeClr>
+              </a:gs>
+              <a:gs pos="100000">
+                <a:srgbClr val="000000"/>
+              </a:gs>
+            </a:gsLst>
+            <a:lin ang="13800000" scaled="0"/>
+          </a:gradFill>
+          <a:ln>
+            <a:noFill/>
+          </a:ln>
+        </p:spPr>
+        <p:style>
+          <a:lnRef idx="2">
+            <a:schemeClr val="accent1">
+              <a:shade val="50000"/>
+            </a:schemeClr>
+          </a:lnRef>
+          <a:fillRef idx="1">
+            <a:schemeClr val="accent1"/>
+          </a:fillRef>
+          <a:effectRef idx="0">
+            <a:schemeClr val="accent1"/>
+          </a:effectRef>
+          <a:fontRef idx="minor">
+            <a:schemeClr val="lt1"/>
+          </a:fontRef>
+        </p:style>
+        <p:txBody>
+          <a:bodyPr rtlCol="0" anchor="ctr"/>
+          <a:lstStyle/>
+          <a:p>
+            <a:pPr algn="ctr"/>
+            <a:endParaRPr lang="en-US"/>
+          </a:p>
+        </p:txBody>
+      </p:sp>
+      <p:sp>
+        <p:nvSpPr>
+          <p:cNvPr id="31" name="Rectangle 30">
+            <a:extLst>
+              <a:ext uri="{FF2B5EF4-FFF2-40B4-BE49-F238E27FC236}">
+                <a16:creationId xmlns:a16="http://schemas.microsoft.com/office/drawing/2014/main" id="{7DB3C429-F8DA-49B9-AF84-21996FCF78B5}"/>
+              </a:ext>
+              <a:ext uri="{C183D7F6-B498-43B3-948B-1728B52AA6E4}">
+                <adec:decorative xmlns:adec="http://schemas.microsoft.com/office/drawing/2017/decorative" val="1"/>
+              </a:ext>
+            </a:extLst>
+          </p:cNvPr>
+          <p:cNvSpPr>
+            <a:spLocks noGrp="1" noRot="1" noChangeAspect="1" noMove="1" noResize="1" noEditPoints="1" noAdjustHandles="1" noChangeArrowheads="1" noChangeShapeType="1" noTextEdit="1"/>
+          </p:cNvSpPr>
+          <p:nvPr>
+            <p:extLst>
+              <p:ext uri="{386F3935-93C4-4BCD-93E2-E3B085C9AB24}">
+                <p16:designElem xmlns:p16="http://schemas.microsoft.com/office/powerpoint/2015/main" val="1"/>
+              </p:ext>
+            </p:extLst>
+          </p:nvPr>
+        </p:nvSpPr>
+        <p:spPr>
+          <a:xfrm rot="10800000">
+            <a:off x="0" y="-4"/>
+            <a:ext cx="12192000" cy="6402581"/>
+          </a:xfrm>
+          <a:prstGeom prst="rect">
+            <a:avLst/>
+          </a:prstGeom>
+          <a:gradFill>
+            <a:gsLst>
+              <a:gs pos="1000">
+                <a:schemeClr val="accent1">
+                  <a:lumMod val="75000"/>
+                  <a:alpha val="59000"/>
+                </a:schemeClr>
+              </a:gs>
+              <a:gs pos="100000">
+                <a:srgbClr val="000000"/>
+              </a:gs>
+            </a:gsLst>
+            <a:lin ang="15000000" scaled="0"/>
+          </a:gradFill>
+          <a:ln>
+            <a:noFill/>
+          </a:ln>
+        </p:spPr>
+        <p:style>
+          <a:lnRef idx="2">
+            <a:schemeClr val="accent1">
+              <a:shade val="50000"/>
+            </a:schemeClr>
+          </a:lnRef>
+          <a:fillRef idx="1">
+            <a:schemeClr val="accent1"/>
+          </a:fillRef>
+          <a:effectRef idx="0">
+            <a:schemeClr val="accent1"/>
+          </a:effectRef>
+          <a:fontRef idx="minor">
+            <a:schemeClr val="lt1"/>
+          </a:fontRef>
+        </p:style>
+        <p:txBody>
+          <a:bodyPr rtlCol="0" anchor="ctr"/>
+          <a:lstStyle/>
+          <a:p>
+            <a:pPr algn="ctr"/>
+            <a:endParaRPr lang="en-US"/>
+          </a:p>
+        </p:txBody>
+      </p:sp>
+      <p:sp>
+        <p:nvSpPr>
+          <p:cNvPr id="33" name="Rectangle 32">
+            <a:extLst>
+              <a:ext uri="{FF2B5EF4-FFF2-40B4-BE49-F238E27FC236}">
+                <a16:creationId xmlns:a16="http://schemas.microsoft.com/office/drawing/2014/main" id="{E12088DD-B1AD-40E0-8B86-1D87A2CCD9BE}"/>
+              </a:ext>
+              <a:ext uri="{C183D7F6-B498-43B3-948B-1728B52AA6E4}">
+                <adec:decorative xmlns:adec="http://schemas.microsoft.com/office/drawing/2017/decorative" val="1"/>
+              </a:ext>
+            </a:extLst>
+          </p:cNvPr>
+          <p:cNvSpPr>
+            <a:spLocks noGrp="1" noRot="1" noChangeAspect="1" noMove="1" noResize="1" noEditPoints="1" noAdjustHandles="1" noChangeArrowheads="1" noChangeShapeType="1" noTextEdit="1"/>
+          </p:cNvSpPr>
+          <p:nvPr>
+            <p:extLst>
+              <p:ext uri="{386F3935-93C4-4BCD-93E2-E3B085C9AB24}">
+                <p16:designElem xmlns:p16="http://schemas.microsoft.com/office/powerpoint/2015/main" val="1"/>
+              </p:ext>
+            </p:extLst>
+          </p:nvPr>
+        </p:nvSpPr>
+        <p:spPr>
+          <a:xfrm rot="5400000" flipH="1">
+            <a:off x="2663054" y="-2653923"/>
+            <a:ext cx="6858001" cy="12165846"/>
+          </a:xfrm>
+          <a:prstGeom prst="rect">
+            <a:avLst/>
+          </a:prstGeom>
+          <a:gradFill>
+            <a:gsLst>
+              <a:gs pos="13000">
+                <a:schemeClr val="accent1">
+                  <a:lumMod val="50000"/>
+                  <a:alpha val="0"/>
+                </a:schemeClr>
+              </a:gs>
+              <a:gs pos="99000">
+                <a:srgbClr val="000000">
+                  <a:alpha val="28000"/>
+                </a:srgbClr>
+              </a:gs>
+            </a:gsLst>
+            <a:lin ang="0" scaled="0"/>
+          </a:gradFill>
+          <a:ln>
+            <a:noFill/>
+          </a:ln>
+        </p:spPr>
+        <p:style>
+          <a:lnRef idx="2">
+            <a:schemeClr val="accent1">
+              <a:shade val="50000"/>
+            </a:schemeClr>
+          </a:lnRef>
+          <a:fillRef idx="1">
+            <a:schemeClr val="accent1"/>
+          </a:fillRef>
+          <a:effectRef idx="0">
+            <a:schemeClr val="accent1"/>
+          </a:effectRef>
+          <a:fontRef idx="minor">
+            <a:schemeClr val="lt1"/>
+          </a:fontRef>
+        </p:style>
+        <p:txBody>
+          <a:bodyPr rtlCol="0" anchor="ctr"/>
+          <a:lstStyle/>
+          <a:p>
+            <a:pPr algn="ctr"/>
+            <a:endParaRPr lang="en-US" dirty="0"/>
+          </a:p>
+        </p:txBody>
+      </p:sp>
+      <p:sp>
+        <p:nvSpPr>
+          <p:cNvPr id="35" name="Rectangle 34">
+            <a:extLst>
+              <a:ext uri="{FF2B5EF4-FFF2-40B4-BE49-F238E27FC236}">
+                <a16:creationId xmlns:a16="http://schemas.microsoft.com/office/drawing/2014/main" id="{C4C9F2B0-1044-46EB-8AEB-C3BFFDE6C2CC}"/>
+              </a:ext>
+              <a:ext uri="{C183D7F6-B498-43B3-948B-1728B52AA6E4}">
+                <adec:decorative xmlns:adec="http://schemas.microsoft.com/office/drawing/2017/decorative" val="1"/>
+              </a:ext>
+            </a:extLst>
+          </p:cNvPr>
+          <p:cNvSpPr>
+            <a:spLocks noGrp="1" noRot="1" noChangeAspect="1" noMove="1" noResize="1" noEditPoints="1" noAdjustHandles="1" noChangeArrowheads="1" noChangeShapeType="1" noTextEdit="1"/>
+          </p:cNvSpPr>
+          <p:nvPr>
+            <p:extLst>
+              <p:ext uri="{386F3935-93C4-4BCD-93E2-E3B085C9AB24}">
+                <p16:designElem xmlns:p16="http://schemas.microsoft.com/office/powerpoint/2015/main" val="1"/>
+              </p:ext>
+            </p:extLst>
+          </p:nvPr>
+        </p:nvSpPr>
+        <p:spPr>
+          <a:xfrm flipH="1">
+            <a:off x="6094763" y="0"/>
+            <a:ext cx="6096001" cy="6858000"/>
+          </a:xfrm>
+          <a:prstGeom prst="rect">
+            <a:avLst/>
+          </a:prstGeom>
+          <a:gradFill>
+            <a:gsLst>
+              <a:gs pos="13000">
+                <a:schemeClr val="accent1">
+                  <a:lumMod val="50000"/>
+                  <a:alpha val="0"/>
+                </a:schemeClr>
+              </a:gs>
+              <a:gs pos="99000">
+                <a:schemeClr val="accent1">
+                  <a:lumMod val="75000"/>
+                  <a:alpha val="50000"/>
+                </a:schemeClr>
+              </a:gs>
+            </a:gsLst>
+            <a:lin ang="6000000" scaled="0"/>
+          </a:gradFill>
+          <a:ln>
+            <a:noFill/>
+          </a:ln>
+        </p:spPr>
+        <p:style>
+          <a:lnRef idx="2">
+            <a:schemeClr val="accent1">
+              <a:shade val="50000"/>
+            </a:schemeClr>
+          </a:lnRef>
+          <a:fillRef idx="1">
+            <a:schemeClr val="accent1"/>
+          </a:fillRef>
+          <a:effectRef idx="0">
+            <a:schemeClr val="accent1"/>
+          </a:effectRef>
+          <a:fontRef idx="minor">
+            <a:schemeClr val="lt1"/>
+          </a:fontRef>
+        </p:style>
+        <p:txBody>
+          <a:bodyPr rtlCol="0" anchor="ctr"/>
+          <a:lstStyle/>
+          <a:p>
+            <a:pPr algn="ctr"/>
+            <a:endParaRPr lang="en-US" dirty="0"/>
+          </a:p>
+        </p:txBody>
+      </p:sp>
+      <p:sp>
+        <p:nvSpPr>
+          <p:cNvPr id="37" name="Rectangle 36">
+            <a:extLst>
+              <a:ext uri="{FF2B5EF4-FFF2-40B4-BE49-F238E27FC236}">
+                <a16:creationId xmlns:a16="http://schemas.microsoft.com/office/drawing/2014/main" id="{0C395952-4E26-45A2-8756-2ADFD6E53C6E}"/>
+              </a:ext>
+              <a:ext uri="{C183D7F6-B498-43B3-948B-1728B52AA6E4}">
+                <adec:decorative xmlns:adec="http://schemas.microsoft.com/office/drawing/2017/decorative" val="1"/>
+              </a:ext>
+            </a:extLst>
+          </p:cNvPr>
+          <p:cNvSpPr>
+            <a:spLocks noGrp="1" noRot="1" noChangeAspect="1" noMove="1" noResize="1" noEditPoints="1" noAdjustHandles="1" noChangeArrowheads="1" noChangeShapeType="1" noTextEdit="1"/>
+          </p:cNvSpPr>
+          <p:nvPr>
+            <p:extLst>
+              <p:ext uri="{386F3935-93C4-4BCD-93E2-E3B085C9AB24}">
+                <p16:designElem xmlns:p16="http://schemas.microsoft.com/office/powerpoint/2015/main" val="1"/>
+              </p:ext>
+            </p:extLst>
+          </p:nvPr>
+        </p:nvSpPr>
+        <p:spPr>
+          <a:xfrm flipH="1">
+            <a:off x="-4" y="-3"/>
+            <a:ext cx="12182871" cy="6871922"/>
+          </a:xfrm>
+          <a:prstGeom prst="rect">
+            <a:avLst/>
+          </a:prstGeom>
+          <a:gradFill>
+            <a:gsLst>
+              <a:gs pos="13000">
+                <a:srgbClr val="000000">
+                  <a:alpha val="35000"/>
+                </a:srgbClr>
+              </a:gs>
+              <a:gs pos="99000">
+                <a:schemeClr val="accent1">
+                  <a:lumMod val="75000"/>
+                  <a:alpha val="0"/>
+                </a:schemeClr>
+              </a:gs>
+            </a:gsLst>
+            <a:lin ang="4800000" scaled="0"/>
+          </a:gradFill>
+          <a:ln>
+            <a:noFill/>
+          </a:ln>
+        </p:spPr>
+        <p:style>
+          <a:lnRef idx="2">
+            <a:schemeClr val="accent1">
+              <a:shade val="50000"/>
+            </a:schemeClr>
+          </a:lnRef>
+          <a:fillRef idx="1">
+            <a:schemeClr val="accent1"/>
+          </a:fillRef>
+          <a:effectRef idx="0">
+            <a:schemeClr val="accent1"/>
+          </a:effectRef>
+          <a:fontRef idx="minor">
+            <a:schemeClr val="lt1"/>
+          </a:fontRef>
+        </p:style>
+        <p:txBody>
+          <a:bodyPr rtlCol="0" anchor="ctr"/>
+          <a:lstStyle/>
+          <a:p>
+            <a:pPr algn="ctr"/>
+            <a:endParaRPr lang="en-US" dirty="0"/>
+          </a:p>
+        </p:txBody>
+      </p:sp>
+      <p:sp>
+        <p:nvSpPr>
+          <p:cNvPr id="39" name="Freeform: Shape 38">
+            <a:extLst>
+              <a:ext uri="{FF2B5EF4-FFF2-40B4-BE49-F238E27FC236}">
+                <a16:creationId xmlns:a16="http://schemas.microsoft.com/office/drawing/2014/main" id="{4734BADF-9461-4621-B112-2D7BABEA7DD0}"/>
+              </a:ext>
+              <a:ext uri="{C183D7F6-B498-43B3-948B-1728B52AA6E4}">
+                <adec:decorative xmlns:adec="http://schemas.microsoft.com/office/drawing/2017/decorative" val="1"/>
+              </a:ext>
+            </a:extLst>
+          </p:cNvPr>
+          <p:cNvSpPr>
+            <a:spLocks noGrp="1" noRot="1" noChangeAspect="1" noMove="1" noResize="1" noEditPoints="1" noAdjustHandles="1" noChangeArrowheads="1" noChangeShapeType="1" noTextEdit="1"/>
+          </p:cNvSpPr>
+          <p:nvPr>
+            <p:extLst>
+              <p:ext uri="{386F3935-93C4-4BCD-93E2-E3B085C9AB24}">
+                <p16:designElem xmlns:p16="http://schemas.microsoft.com/office/powerpoint/2015/main" val="1"/>
+              </p:ext>
+            </p:extLst>
+          </p:nvPr>
+        </p:nvSpPr>
+        <p:spPr>
+          <a:xfrm>
+            <a:off x="987713" y="4049"/>
+            <a:ext cx="10216576" cy="4729040"/>
+          </a:xfrm>
+          <a:custGeom>
+            <a:avLst/>
+            <a:gdLst>
+              <a:gd name="connsiteX0" fmla="*/ 0 w 10216576"/>
+              <a:gd name="connsiteY0" fmla="*/ 0 h 4729040"/>
+              <a:gd name="connsiteX1" fmla="*/ 10216576 w 10216576"/>
+              <a:gd name="connsiteY1" fmla="*/ 0 h 4729040"/>
+              <a:gd name="connsiteX2" fmla="*/ 10210268 w 10216576"/>
+              <a:gd name="connsiteY2" fmla="*/ 124944 h 4729040"/>
+              <a:gd name="connsiteX3" fmla="*/ 5108288 w 10216576"/>
+              <a:gd name="connsiteY3" fmla="*/ 4729040 h 4729040"/>
+              <a:gd name="connsiteX4" fmla="*/ 6309 w 10216576"/>
+              <a:gd name="connsiteY4" fmla="*/ 124944 h 4729040"/>
+            </a:gdLst>
+            <a:ahLst/>
+            <a:cxnLst>
+              <a:cxn ang="0">
+                <a:pos x="connsiteX0" y="connsiteY0"/>
+              </a:cxn>
+              <a:cxn ang="0">
+                <a:pos x="connsiteX1" y="connsiteY1"/>
+              </a:cxn>
+              <a:cxn ang="0">
+                <a:pos x="connsiteX2" y="connsiteY2"/>
+              </a:cxn>
+              <a:cxn ang="0">
+                <a:pos x="connsiteX3" y="connsiteY3"/>
+              </a:cxn>
+              <a:cxn ang="0">
+                <a:pos x="connsiteX4" y="connsiteY4"/>
+              </a:cxn>
+            </a:cxnLst>
+            <a:rect l="l" t="t" r="r" b="b"/>
+            <a:pathLst>
+              <a:path w="10216576" h="4729040">
+                <a:moveTo>
+                  <a:pt x="0" y="0"/>
+                </a:moveTo>
+                <a:lnTo>
+                  <a:pt x="10216576" y="0"/>
+                </a:lnTo>
+                <a:lnTo>
+                  <a:pt x="10210268" y="124944"/>
+                </a:lnTo>
+                <a:cubicBezTo>
+                  <a:pt x="9947637" y="2710997"/>
+                  <a:pt x="7763635" y="4729040"/>
+                  <a:pt x="5108288" y="4729040"/>
+                </a:cubicBezTo>
+                <a:cubicBezTo>
+                  <a:pt x="2452942" y="4729040"/>
+                  <a:pt x="268937" y="2710997"/>
+                  <a:pt x="6309" y="124944"/>
+                </a:cubicBezTo>
+                <a:close/>
+              </a:path>
+            </a:pathLst>
+          </a:custGeom>
+          <a:gradFill>
+            <a:gsLst>
+              <a:gs pos="7000">
+                <a:schemeClr val="accent1">
+                  <a:lumMod val="50000"/>
+                  <a:alpha val="4000"/>
+                </a:schemeClr>
+              </a:gs>
+              <a:gs pos="99000">
+                <a:schemeClr val="accent1">
+                  <a:alpha val="24000"/>
+                </a:schemeClr>
+              </a:gs>
+            </a:gsLst>
+            <a:lin ang="10200000" scaled="0"/>
+          </a:gradFill>
+          <a:ln>
+            <a:noFill/>
+          </a:ln>
+        </p:spPr>
+        <p:style>
+          <a:lnRef idx="2">
+            <a:schemeClr val="accent1">
+              <a:shade val="50000"/>
+            </a:schemeClr>
+          </a:lnRef>
+          <a:fillRef idx="1">
+            <a:schemeClr val="accent1"/>
+          </a:fillRef>
+          <a:effectRef idx="0">
+            <a:schemeClr val="accent1"/>
+          </a:effectRef>
+          <a:fontRef idx="minor">
+            <a:schemeClr val="lt1"/>
+          </a:fontRef>
+        </p:style>
+        <p:txBody>
+          <a:bodyPr wrap="square" rtlCol="0" anchor="ctr">
+            <a:noAutofit/>
+          </a:bodyPr>
+          <a:lstStyle/>
+          <a:p>
+            <a:pPr algn="ctr"/>
+            <a:endParaRPr lang="en-US"/>
+          </a:p>
+        </p:txBody>
+      </p:sp>
+      <p:pic>
+        <p:nvPicPr>
+          <p:cNvPr id="11" name="Picture 10" descr="A screenshot of a computer">
+            <a:extLst>
+              <a:ext uri="{FF2B5EF4-FFF2-40B4-BE49-F238E27FC236}">
+                <a16:creationId xmlns:a16="http://schemas.microsoft.com/office/drawing/2014/main" id="{576E81F2-B3B8-5C3D-E47F-BFB84AB15695}"/>
+              </a:ext>
+            </a:extLst>
+          </p:cNvPr>
+          <p:cNvPicPr>
+            <a:picLocks noChangeAspect="1"/>
+          </p:cNvPicPr>
+          <p:nvPr/>
+        </p:nvPicPr>
+        <p:blipFill>
+          <a:blip r:embed="rId2">
+            <a:extLst>
+              <a:ext uri="{28A0092B-C50C-407E-A947-70E740481C1C}">
+                <a14:useLocalDpi xmlns:a14="http://schemas.microsoft.com/office/drawing/2010/main" val="0"/>
+              </a:ext>
+            </a:extLst>
+          </a:blip>
+          <a:stretch>
+            <a:fillRect/>
+          </a:stretch>
+        </p:blipFill>
+        <p:spPr>
+          <a:xfrm>
+            <a:off x="5118390" y="2368569"/>
+            <a:ext cx="7064478" cy="4286179"/>
+          </a:xfrm>
+          <a:prstGeom prst="rect">
+            <a:avLst/>
+          </a:prstGeom>
+        </p:spPr>
+      </p:pic>
+    </p:spTree>
+    <p:extLst>
+      <p:ext uri="{BB962C8B-B14F-4D97-AF65-F5344CB8AC3E}">
+        <p14:creationId xmlns:p14="http://schemas.microsoft.com/office/powerpoint/2010/main" val="2164553716"/>
+      </p:ext>
+    </p:extLst>
+  </p:cSld>
+  <p:clrMapOvr>
+    <a:masterClrMapping/>
+  </p:clrMapOvr>
+</p:sld>
+</file>
+
+<file path=ppt/slides/slide7.xml><?xml version="1.0" encoding="utf-8"?>
 <p:sld xmlns:a="http://schemas.openxmlformats.org/drawingml/2006/main" xmlns:r="http://schemas.openxmlformats.org/officeDocument/2006/relationships" xmlns:p="http://schemas.openxmlformats.org/presentationml/2006/main">
   <p:cSld>
     <p:bg>
